--- a/docs/slides/Week2_Recap.pptx
+++ b/docs/slides/Week2_Recap.pptx
@@ -190,15 +190,280 @@
 <file path=ppt/revisionInfo.xml><?xml version="1.0" encoding="utf-8"?>
 <p1510:revInfo xmlns:a="http://schemas.openxmlformats.org/drawingml/2006/main" xmlns:r="http://schemas.openxmlformats.org/officeDocument/2006/relationships" xmlns:p1510="http://schemas.microsoft.com/office/powerpoint/2015/10/main">
   <p1510:revLst>
-    <p1510:client id="{928A2C23-3A27-472B-896F-A7D70E68595B}" v="3" dt="2024-01-29T09:52:12.489"/>
-    <p1510:client id="{EEF3E2D8-C5F1-5A49-900E-15FE9F3951C2}" v="30" dt="2024-01-29T03:50:55.420"/>
-    <p1510:client id="{FAC0F13E-DA96-4EEB-B394-00851A3B387A}" v="2780" dt="2024-01-30T01:22:46.691"/>
+    <p1510:client id="{FAC0F13E-DA96-4EEB-B394-00851A3B387A}" v="2781" dt="2024-02-06T00:34:53.195"/>
   </p1510:revLst>
 </p1510:revInfo>
 </file>
 
 <file path=ppt/changesInfos/changesInfo1.xml><?xml version="1.0" encoding="utf-8"?>
 <pc:chgInfo xmlns:a="http://schemas.openxmlformats.org/drawingml/2006/main" xmlns:r="http://schemas.openxmlformats.org/officeDocument/2006/relationships" xmlns:ac="http://schemas.microsoft.com/office/drawing/2013/main/command" xmlns:pc="http://schemas.microsoft.com/office/powerpoint/2013/main/command">
+  <pc:docChgLst>
+    <pc:chgData name="Zhao Jin" userId="cd05a825-544c-438a-9ba1-08e63db50b47" providerId="ADAL" clId="{928A2C23-3A27-472B-896F-A7D70E68595B}"/>
+    <pc:docChg chg="modSld">
+      <pc:chgData name="Zhao Jin" userId="cd05a825-544c-438a-9ba1-08e63db50b47" providerId="ADAL" clId="{928A2C23-3A27-472B-896F-A7D70E68595B}" dt="2024-01-29T09:52:12.489" v="2" actId="404"/>
+      <pc:docMkLst>
+        <pc:docMk/>
+      </pc:docMkLst>
+      <pc:sldChg chg="modSp">
+        <pc:chgData name="Zhao Jin" userId="cd05a825-544c-438a-9ba1-08e63db50b47" providerId="ADAL" clId="{928A2C23-3A27-472B-896F-A7D70E68595B}" dt="2024-01-29T09:52:04.347" v="0" actId="404"/>
+        <pc:sldMkLst>
+          <pc:docMk/>
+          <pc:sldMk cId="3023700246" sldId="545"/>
+        </pc:sldMkLst>
+        <pc:spChg chg="mod">
+          <ac:chgData name="Zhao Jin" userId="cd05a825-544c-438a-9ba1-08e63db50b47" providerId="ADAL" clId="{928A2C23-3A27-472B-896F-A7D70E68595B}" dt="2024-01-29T09:52:04.347" v="0" actId="404"/>
+          <ac:spMkLst>
+            <pc:docMk/>
+            <pc:sldMk cId="3023700246" sldId="545"/>
+            <ac:spMk id="10" creationId="{00000000-0000-0000-0000-000000000000}"/>
+          </ac:spMkLst>
+        </pc:spChg>
+      </pc:sldChg>
+      <pc:sldChg chg="modSp">
+        <pc:chgData name="Zhao Jin" userId="cd05a825-544c-438a-9ba1-08e63db50b47" providerId="ADAL" clId="{928A2C23-3A27-472B-896F-A7D70E68595B}" dt="2024-01-29T09:52:12.489" v="2" actId="404"/>
+        <pc:sldMkLst>
+          <pc:docMk/>
+          <pc:sldMk cId="1777826333" sldId="546"/>
+        </pc:sldMkLst>
+        <pc:spChg chg="mod">
+          <ac:chgData name="Zhao Jin" userId="cd05a825-544c-438a-9ba1-08e63db50b47" providerId="ADAL" clId="{928A2C23-3A27-472B-896F-A7D70E68595B}" dt="2024-01-29T09:52:12.489" v="2" actId="404"/>
+          <ac:spMkLst>
+            <pc:docMk/>
+            <pc:sldMk cId="1777826333" sldId="546"/>
+            <ac:spMk id="10" creationId="{00000000-0000-0000-0000-000000000000}"/>
+          </ac:spMkLst>
+        </pc:spChg>
+      </pc:sldChg>
+      <pc:sldChg chg="modSp">
+        <pc:chgData name="Zhao Jin" userId="cd05a825-544c-438a-9ba1-08e63db50b47" providerId="ADAL" clId="{928A2C23-3A27-472B-896F-A7D70E68595B}" dt="2024-01-29T09:52:07.659" v="1" actId="404"/>
+        <pc:sldMkLst>
+          <pc:docMk/>
+          <pc:sldMk cId="2072030558" sldId="547"/>
+        </pc:sldMkLst>
+        <pc:spChg chg="mod">
+          <ac:chgData name="Zhao Jin" userId="cd05a825-544c-438a-9ba1-08e63db50b47" providerId="ADAL" clId="{928A2C23-3A27-472B-896F-A7D70E68595B}" dt="2024-01-29T09:52:07.659" v="1" actId="404"/>
+          <ac:spMkLst>
+            <pc:docMk/>
+            <pc:sldMk cId="2072030558" sldId="547"/>
+            <ac:spMk id="10" creationId="{00000000-0000-0000-0000-000000000000}"/>
+          </ac:spMkLst>
+        </pc:spChg>
+      </pc:sldChg>
+    </pc:docChg>
+  </pc:docChgLst>
+  <pc:docChgLst>
+    <pc:chgData name="Zhao Jin" userId="cd05a825-544c-438a-9ba1-08e63db50b47" providerId="ADAL" clId="{A4A0FEF4-5388-4642-A424-D6144C2A9D07}"/>
+    <pc:docChg chg="undo custSel modSld">
+      <pc:chgData name="Zhao Jin" userId="cd05a825-544c-438a-9ba1-08e63db50b47" providerId="ADAL" clId="{A4A0FEF4-5388-4642-A424-D6144C2A9D07}" dt="2021-01-25T03:36:28.487" v="214" actId="20577"/>
+      <pc:docMkLst>
+        <pc:docMk/>
+      </pc:docMkLst>
+      <pc:sldChg chg="delSp modSp">
+        <pc:chgData name="Zhao Jin" userId="cd05a825-544c-438a-9ba1-08e63db50b47" providerId="ADAL" clId="{A4A0FEF4-5388-4642-A424-D6144C2A9D07}" dt="2021-01-25T03:33:46.226" v="179"/>
+        <pc:sldMkLst>
+          <pc:docMk/>
+          <pc:sldMk cId="2543678377" sldId="531"/>
+        </pc:sldMkLst>
+        <pc:spChg chg="mod">
+          <ac:chgData name="Zhao Jin" userId="cd05a825-544c-438a-9ba1-08e63db50b47" providerId="ADAL" clId="{A4A0FEF4-5388-4642-A424-D6144C2A9D07}" dt="2021-01-25T03:30:31.833" v="157" actId="20577"/>
+          <ac:spMkLst>
+            <pc:docMk/>
+            <pc:sldMk cId="2543678377" sldId="531"/>
+            <ac:spMk id="10" creationId="{00000000-0000-0000-0000-000000000000}"/>
+          </ac:spMkLst>
+        </pc:spChg>
+        <pc:spChg chg="mod">
+          <ac:chgData name="Zhao Jin" userId="cd05a825-544c-438a-9ba1-08e63db50b47" providerId="ADAL" clId="{A4A0FEF4-5388-4642-A424-D6144C2A9D07}" dt="2021-01-25T03:33:46.226" v="179"/>
+          <ac:spMkLst>
+            <pc:docMk/>
+            <pc:sldMk cId="2543678377" sldId="531"/>
+            <ac:spMk id="43" creationId="{00000000-0000-0000-0000-000000000000}"/>
+          </ac:spMkLst>
+        </pc:spChg>
+        <pc:spChg chg="del">
+          <ac:chgData name="Zhao Jin" userId="cd05a825-544c-438a-9ba1-08e63db50b47" providerId="ADAL" clId="{A4A0FEF4-5388-4642-A424-D6144C2A9D07}" dt="2021-01-25T03:33:24.782" v="178" actId="478"/>
+          <ac:spMkLst>
+            <pc:docMk/>
+            <pc:sldMk cId="2543678377" sldId="531"/>
+            <ac:spMk id="24582" creationId="{00000000-0000-0000-0000-000000000000}"/>
+          </ac:spMkLst>
+        </pc:spChg>
+      </pc:sldChg>
+      <pc:sldChg chg="delSp modSp">
+        <pc:chgData name="Zhao Jin" userId="cd05a825-544c-438a-9ba1-08e63db50b47" providerId="ADAL" clId="{A4A0FEF4-5388-4642-A424-D6144C2A9D07}" dt="2021-01-25T03:33:46.226" v="179"/>
+        <pc:sldMkLst>
+          <pc:docMk/>
+          <pc:sldMk cId="2025693378" sldId="532"/>
+        </pc:sldMkLst>
+        <pc:spChg chg="mod">
+          <ac:chgData name="Zhao Jin" userId="cd05a825-544c-438a-9ba1-08e63db50b47" providerId="ADAL" clId="{A4A0FEF4-5388-4642-A424-D6144C2A9D07}" dt="2021-01-25T03:33:46.226" v="179"/>
+          <ac:spMkLst>
+            <pc:docMk/>
+            <pc:sldMk cId="2025693378" sldId="532"/>
+            <ac:spMk id="43" creationId="{00000000-0000-0000-0000-000000000000}"/>
+          </ac:spMkLst>
+        </pc:spChg>
+        <pc:spChg chg="del">
+          <ac:chgData name="Zhao Jin" userId="cd05a825-544c-438a-9ba1-08e63db50b47" providerId="ADAL" clId="{A4A0FEF4-5388-4642-A424-D6144C2A9D07}" dt="2021-01-25T03:33:20.558" v="177" actId="478"/>
+          <ac:spMkLst>
+            <pc:docMk/>
+            <pc:sldMk cId="2025693378" sldId="532"/>
+            <ac:spMk id="24582" creationId="{00000000-0000-0000-0000-000000000000}"/>
+          </ac:spMkLst>
+        </pc:spChg>
+      </pc:sldChg>
+      <pc:sldChg chg="delSp modSp">
+        <pc:chgData name="Zhao Jin" userId="cd05a825-544c-438a-9ba1-08e63db50b47" providerId="ADAL" clId="{A4A0FEF4-5388-4642-A424-D6144C2A9D07}" dt="2021-01-25T03:36:13.902" v="213" actId="403"/>
+        <pc:sldMkLst>
+          <pc:docMk/>
+          <pc:sldMk cId="266706937" sldId="533"/>
+        </pc:sldMkLst>
+        <pc:spChg chg="mod">
+          <ac:chgData name="Zhao Jin" userId="cd05a825-544c-438a-9ba1-08e63db50b47" providerId="ADAL" clId="{A4A0FEF4-5388-4642-A424-D6144C2A9D07}" dt="2021-01-25T03:36:09.661" v="211" actId="1036"/>
+          <ac:spMkLst>
+            <pc:docMk/>
+            <pc:sldMk cId="266706937" sldId="533"/>
+            <ac:spMk id="2" creationId="{00000000-0000-0000-0000-000000000000}"/>
+          </ac:spMkLst>
+        </pc:spChg>
+        <pc:spChg chg="mod">
+          <ac:chgData name="Zhao Jin" userId="cd05a825-544c-438a-9ba1-08e63db50b47" providerId="ADAL" clId="{A4A0FEF4-5388-4642-A424-D6144C2A9D07}" dt="2021-01-25T03:36:09.661" v="211" actId="1036"/>
+          <ac:spMkLst>
+            <pc:docMk/>
+            <pc:sldMk cId="266706937" sldId="533"/>
+            <ac:spMk id="9" creationId="{00000000-0000-0000-0000-000000000000}"/>
+          </ac:spMkLst>
+        </pc:spChg>
+        <pc:spChg chg="mod">
+          <ac:chgData name="Zhao Jin" userId="cd05a825-544c-438a-9ba1-08e63db50b47" providerId="ADAL" clId="{A4A0FEF4-5388-4642-A424-D6144C2A9D07}" dt="2021-01-25T03:36:09.661" v="211" actId="1036"/>
+          <ac:spMkLst>
+            <pc:docMk/>
+            <pc:sldMk cId="266706937" sldId="533"/>
+            <ac:spMk id="10" creationId="{00000000-0000-0000-0000-000000000000}"/>
+          </ac:spMkLst>
+        </pc:spChg>
+        <pc:spChg chg="mod">
+          <ac:chgData name="Zhao Jin" userId="cd05a825-544c-438a-9ba1-08e63db50b47" providerId="ADAL" clId="{A4A0FEF4-5388-4642-A424-D6144C2A9D07}" dt="2021-01-25T03:36:09.661" v="211" actId="1036"/>
+          <ac:spMkLst>
+            <pc:docMk/>
+            <pc:sldMk cId="266706937" sldId="533"/>
+            <ac:spMk id="13" creationId="{00000000-0000-0000-0000-000000000000}"/>
+          </ac:spMkLst>
+        </pc:spChg>
+        <pc:spChg chg="mod">
+          <ac:chgData name="Zhao Jin" userId="cd05a825-544c-438a-9ba1-08e63db50b47" providerId="ADAL" clId="{A4A0FEF4-5388-4642-A424-D6144C2A9D07}" dt="2021-01-25T03:36:09.661" v="211" actId="1036"/>
+          <ac:spMkLst>
+            <pc:docMk/>
+            <pc:sldMk cId="266706937" sldId="533"/>
+            <ac:spMk id="14" creationId="{00000000-0000-0000-0000-000000000000}"/>
+          </ac:spMkLst>
+        </pc:spChg>
+        <pc:spChg chg="mod">
+          <ac:chgData name="Zhao Jin" userId="cd05a825-544c-438a-9ba1-08e63db50b47" providerId="ADAL" clId="{A4A0FEF4-5388-4642-A424-D6144C2A9D07}" dt="2021-01-25T03:36:13.902" v="213" actId="403"/>
+          <ac:spMkLst>
+            <pc:docMk/>
+            <pc:sldMk cId="266706937" sldId="533"/>
+            <ac:spMk id="15" creationId="{00000000-0000-0000-0000-000000000000}"/>
+          </ac:spMkLst>
+        </pc:spChg>
+        <pc:spChg chg="mod">
+          <ac:chgData name="Zhao Jin" userId="cd05a825-544c-438a-9ba1-08e63db50b47" providerId="ADAL" clId="{A4A0FEF4-5388-4642-A424-D6144C2A9D07}" dt="2021-01-25T03:36:09.661" v="211" actId="1036"/>
+          <ac:spMkLst>
+            <pc:docMk/>
+            <pc:sldMk cId="266706937" sldId="533"/>
+            <ac:spMk id="16" creationId="{00000000-0000-0000-0000-000000000000}"/>
+          </ac:spMkLst>
+        </pc:spChg>
+        <pc:spChg chg="mod">
+          <ac:chgData name="Zhao Jin" userId="cd05a825-544c-438a-9ba1-08e63db50b47" providerId="ADAL" clId="{A4A0FEF4-5388-4642-A424-D6144C2A9D07}" dt="2021-01-25T03:33:46.226" v="179"/>
+          <ac:spMkLst>
+            <pc:docMk/>
+            <pc:sldMk cId="266706937" sldId="533"/>
+            <ac:spMk id="43" creationId="{00000000-0000-0000-0000-000000000000}"/>
+          </ac:spMkLst>
+        </pc:spChg>
+        <pc:spChg chg="del">
+          <ac:chgData name="Zhao Jin" userId="cd05a825-544c-438a-9ba1-08e63db50b47" providerId="ADAL" clId="{A4A0FEF4-5388-4642-A424-D6144C2A9D07}" dt="2021-01-25T03:33:11.850" v="174" actId="478"/>
+          <ac:spMkLst>
+            <pc:docMk/>
+            <pc:sldMk cId="266706937" sldId="533"/>
+            <ac:spMk id="24582" creationId="{00000000-0000-0000-0000-000000000000}"/>
+          </ac:spMkLst>
+        </pc:spChg>
+        <pc:picChg chg="mod">
+          <ac:chgData name="Zhao Jin" userId="cd05a825-544c-438a-9ba1-08e63db50b47" providerId="ADAL" clId="{A4A0FEF4-5388-4642-A424-D6144C2A9D07}" dt="2021-01-25T03:36:09.661" v="211" actId="1036"/>
+          <ac:picMkLst>
+            <pc:docMk/>
+            <pc:sldMk cId="266706937" sldId="533"/>
+            <ac:picMk id="7" creationId="{00000000-0000-0000-0000-000000000000}"/>
+          </ac:picMkLst>
+        </pc:picChg>
+      </pc:sldChg>
+      <pc:sldChg chg="addSp delSp modSp">
+        <pc:chgData name="Zhao Jin" userId="cd05a825-544c-438a-9ba1-08e63db50b47" providerId="ADAL" clId="{A4A0FEF4-5388-4642-A424-D6144C2A9D07}" dt="2021-01-25T03:36:28.487" v="214" actId="20577"/>
+        <pc:sldMkLst>
+          <pc:docMk/>
+          <pc:sldMk cId="3198948174" sldId="535"/>
+        </pc:sldMkLst>
+        <pc:spChg chg="add mod">
+          <ac:chgData name="Zhao Jin" userId="cd05a825-544c-438a-9ba1-08e63db50b47" providerId="ADAL" clId="{A4A0FEF4-5388-4642-A424-D6144C2A9D07}" dt="2021-01-25T03:31:40.243" v="165" actId="207"/>
+          <ac:spMkLst>
+            <pc:docMk/>
+            <pc:sldMk cId="3198948174" sldId="535"/>
+            <ac:spMk id="2" creationId="{E3422448-94B2-0F4B-AAE6-2DF38C94C92F}"/>
+          </ac:spMkLst>
+        </pc:spChg>
+        <pc:spChg chg="mod">
+          <ac:chgData name="Zhao Jin" userId="cd05a825-544c-438a-9ba1-08e63db50b47" providerId="ADAL" clId="{A4A0FEF4-5388-4642-A424-D6144C2A9D07}" dt="2021-01-25T03:36:28.487" v="214" actId="20577"/>
+          <ac:spMkLst>
+            <pc:docMk/>
+            <pc:sldMk cId="3198948174" sldId="535"/>
+            <ac:spMk id="15" creationId="{00000000-0000-0000-0000-000000000000}"/>
+          </ac:spMkLst>
+        </pc:spChg>
+        <pc:spChg chg="mod">
+          <ac:chgData name="Zhao Jin" userId="cd05a825-544c-438a-9ba1-08e63db50b47" providerId="ADAL" clId="{A4A0FEF4-5388-4642-A424-D6144C2A9D07}" dt="2021-01-25T03:33:46.226" v="179"/>
+          <ac:spMkLst>
+            <pc:docMk/>
+            <pc:sldMk cId="3198948174" sldId="535"/>
+            <ac:spMk id="43" creationId="{00000000-0000-0000-0000-000000000000}"/>
+          </ac:spMkLst>
+        </pc:spChg>
+        <pc:spChg chg="del mod">
+          <ac:chgData name="Zhao Jin" userId="cd05a825-544c-438a-9ba1-08e63db50b47" providerId="ADAL" clId="{A4A0FEF4-5388-4642-A424-D6144C2A9D07}" dt="2021-01-25T03:33:15.399" v="176" actId="478"/>
+          <ac:spMkLst>
+            <pc:docMk/>
+            <pc:sldMk cId="3198948174" sldId="535"/>
+            <ac:spMk id="24582" creationId="{00000000-0000-0000-0000-000000000000}"/>
+          </ac:spMkLst>
+        </pc:spChg>
+      </pc:sldChg>
+    </pc:docChg>
+  </pc:docChgLst>
+  <pc:docChgLst>
+    <pc:chgData name="Zhao Jin" userId="cd05a825-544c-438a-9ba1-08e63db50b47" providerId="ADAL" clId="{C7837600-31A8-421C-BE87-C44669FDAD51}"/>
+    <pc:docChg chg="modSld">
+      <pc:chgData name="Zhao Jin" userId="cd05a825-544c-438a-9ba1-08e63db50b47" providerId="ADAL" clId="{C7837600-31A8-421C-BE87-C44669FDAD51}" dt="2021-01-29T05:43:00.215" v="0"/>
+      <pc:docMkLst>
+        <pc:docMk/>
+      </pc:docMkLst>
+      <pc:sldChg chg="modSp mod">
+        <pc:chgData name="Zhao Jin" userId="cd05a825-544c-438a-9ba1-08e63db50b47" providerId="ADAL" clId="{C7837600-31A8-421C-BE87-C44669FDAD51}" dt="2021-01-29T05:43:00.215" v="0"/>
+        <pc:sldMkLst>
+          <pc:docMk/>
+          <pc:sldMk cId="3984392134" sldId="537"/>
+        </pc:sldMkLst>
+        <pc:spChg chg="mod">
+          <ac:chgData name="Zhao Jin" userId="cd05a825-544c-438a-9ba1-08e63db50b47" providerId="ADAL" clId="{C7837600-31A8-421C-BE87-C44669FDAD51}" dt="2021-01-29T05:43:00.215" v="0"/>
+          <ac:spMkLst>
+            <pc:docMk/>
+            <pc:sldMk cId="3984392134" sldId="537"/>
+            <ac:spMk id="43" creationId="{00000000-0000-0000-0000-000000000000}"/>
+          </ac:spMkLst>
+        </pc:spChg>
+      </pc:sldChg>
+    </pc:docChg>
+  </pc:docChgLst>
   <pc:docChgLst>
     <pc:chgData name="Zhao Jin" userId="cd05a825-544c-438a-9ba1-08e63db50b47" providerId="ADAL" clId="{EEF3E2D8-C5F1-5A49-900E-15FE9F3951C2}"/>
     <pc:docChg chg="undo custSel addSld delSld modSld sldOrd">
@@ -789,63 +1054,63 @@
     </pc:docChg>
   </pc:docChgLst>
   <pc:docChgLst>
-    <pc:chgData name="Zhao Jin" userId="cd05a825-544c-438a-9ba1-08e63db50b47" providerId="ADAL" clId="{928A2C23-3A27-472B-896F-A7D70E68595B}"/>
-    <pc:docChg chg="modSld">
-      <pc:chgData name="Zhao Jin" userId="cd05a825-544c-438a-9ba1-08e63db50b47" providerId="ADAL" clId="{928A2C23-3A27-472B-896F-A7D70E68595B}" dt="2024-01-29T09:52:12.489" v="2" actId="404"/>
+    <pc:chgData name="Zhao Jin" userId="cd05a825-544c-438a-9ba1-08e63db50b47" providerId="ADAL" clId="{40B02829-7445-394A-990C-032942059FD9}"/>
+    <pc:docChg chg="custSel modSld">
+      <pc:chgData name="Zhao Jin" userId="cd05a825-544c-438a-9ba1-08e63db50b47" providerId="ADAL" clId="{40B02829-7445-394A-990C-032942059FD9}" dt="2021-01-18T05:50:34.611" v="4" actId="478"/>
       <pc:docMkLst>
         <pc:docMk/>
       </pc:docMkLst>
-      <pc:sldChg chg="modSp">
-        <pc:chgData name="Zhao Jin" userId="cd05a825-544c-438a-9ba1-08e63db50b47" providerId="ADAL" clId="{928A2C23-3A27-472B-896F-A7D70E68595B}" dt="2024-01-29T09:52:04.347" v="0" actId="404"/>
+      <pc:sldChg chg="delSp">
+        <pc:chgData name="Zhao Jin" userId="cd05a825-544c-438a-9ba1-08e63db50b47" providerId="ADAL" clId="{40B02829-7445-394A-990C-032942059FD9}" dt="2021-01-18T05:50:34.611" v="4" actId="478"/>
         <pc:sldMkLst>
           <pc:docMk/>
-          <pc:sldMk cId="3023700246" sldId="545"/>
+          <pc:sldMk cId="3871162519" sldId="525"/>
         </pc:sldMkLst>
-        <pc:spChg chg="mod">
-          <ac:chgData name="Zhao Jin" userId="cd05a825-544c-438a-9ba1-08e63db50b47" providerId="ADAL" clId="{928A2C23-3A27-472B-896F-A7D70E68595B}" dt="2024-01-29T09:52:04.347" v="0" actId="404"/>
+        <pc:spChg chg="del">
+          <ac:chgData name="Zhao Jin" userId="cd05a825-544c-438a-9ba1-08e63db50b47" providerId="ADAL" clId="{40B02829-7445-394A-990C-032942059FD9}" dt="2021-01-18T05:50:34.611" v="4" actId="478"/>
           <ac:spMkLst>
             <pc:docMk/>
-            <pc:sldMk cId="3023700246" sldId="545"/>
-            <ac:spMk id="10" creationId="{00000000-0000-0000-0000-000000000000}"/>
+            <pc:sldMk cId="3871162519" sldId="525"/>
+            <ac:spMk id="24582" creationId="{00000000-0000-0000-0000-000000000000}"/>
           </ac:spMkLst>
         </pc:spChg>
       </pc:sldChg>
       <pc:sldChg chg="modSp">
-        <pc:chgData name="Zhao Jin" userId="cd05a825-544c-438a-9ba1-08e63db50b47" providerId="ADAL" clId="{928A2C23-3A27-472B-896F-A7D70E68595B}" dt="2024-01-29T09:52:12.489" v="2" actId="404"/>
+        <pc:chgData name="Zhao Jin" userId="cd05a825-544c-438a-9ba1-08e63db50b47" providerId="ADAL" clId="{40B02829-7445-394A-990C-032942059FD9}" dt="2021-01-18T05:50:03.685" v="3" actId="122"/>
         <pc:sldMkLst>
           <pc:docMk/>
-          <pc:sldMk cId="1777826333" sldId="546"/>
+          <pc:sldMk cId="770306953" sldId="526"/>
         </pc:sldMkLst>
-        <pc:spChg chg="mod">
-          <ac:chgData name="Zhao Jin" userId="cd05a825-544c-438a-9ba1-08e63db50b47" providerId="ADAL" clId="{928A2C23-3A27-472B-896F-A7D70E68595B}" dt="2024-01-29T09:52:12.489" v="2" actId="404"/>
-          <ac:spMkLst>
-            <pc:docMk/>
-            <pc:sldMk cId="1777826333" sldId="546"/>
-            <ac:spMk id="10" creationId="{00000000-0000-0000-0000-000000000000}"/>
-          </ac:spMkLst>
-        </pc:spChg>
+        <pc:graphicFrameChg chg="modGraphic">
+          <ac:chgData name="Zhao Jin" userId="cd05a825-544c-438a-9ba1-08e63db50b47" providerId="ADAL" clId="{40B02829-7445-394A-990C-032942059FD9}" dt="2021-01-18T05:50:03.685" v="3" actId="122"/>
+          <ac:graphicFrameMkLst>
+            <pc:docMk/>
+            <pc:sldMk cId="770306953" sldId="526"/>
+            <ac:graphicFrameMk id="7" creationId="{00000000-0000-0000-0000-000000000000}"/>
+          </ac:graphicFrameMkLst>
+        </pc:graphicFrameChg>
+        <pc:graphicFrameChg chg="modGraphic">
+          <ac:chgData name="Zhao Jin" userId="cd05a825-544c-438a-9ba1-08e63db50b47" providerId="ADAL" clId="{40B02829-7445-394A-990C-032942059FD9}" dt="2021-01-18T05:49:57.612" v="2" actId="122"/>
+          <ac:graphicFrameMkLst>
+            <pc:docMk/>
+            <pc:sldMk cId="770306953" sldId="526"/>
+            <ac:graphicFrameMk id="16" creationId="{00000000-0000-0000-0000-000000000000}"/>
+          </ac:graphicFrameMkLst>
+        </pc:graphicFrameChg>
       </pc:sldChg>
-      <pc:sldChg chg="modSp">
-        <pc:chgData name="Zhao Jin" userId="cd05a825-544c-438a-9ba1-08e63db50b47" providerId="ADAL" clId="{928A2C23-3A27-472B-896F-A7D70E68595B}" dt="2024-01-29T09:52:07.659" v="1" actId="404"/>
+      <pc:sldChg chg="modAnim">
+        <pc:chgData name="Zhao Jin" userId="cd05a825-544c-438a-9ba1-08e63db50b47" providerId="ADAL" clId="{40B02829-7445-394A-990C-032942059FD9}" dt="2021-01-18T05:49:08.491" v="0"/>
         <pc:sldMkLst>
           <pc:docMk/>
-          <pc:sldMk cId="2072030558" sldId="547"/>
+          <pc:sldMk cId="4288789163" sldId="527"/>
         </pc:sldMkLst>
-        <pc:spChg chg="mod">
-          <ac:chgData name="Zhao Jin" userId="cd05a825-544c-438a-9ba1-08e63db50b47" providerId="ADAL" clId="{928A2C23-3A27-472B-896F-A7D70E68595B}" dt="2024-01-29T09:52:07.659" v="1" actId="404"/>
-          <ac:spMkLst>
-            <pc:docMk/>
-            <pc:sldMk cId="2072030558" sldId="547"/>
-            <ac:spMk id="10" creationId="{00000000-0000-0000-0000-000000000000}"/>
-          </ac:spMkLst>
-        </pc:spChg>
       </pc:sldChg>
     </pc:docChg>
   </pc:docChgLst>
   <pc:docChgLst>
     <pc:chgData name="Zhao Jin" userId="cd05a825-544c-438a-9ba1-08e63db50b47" providerId="ADAL" clId="{FAC0F13E-DA96-4EEB-B394-00851A3B387A}"/>
     <pc:docChg chg="undo custSel addSld delSld modSld sldOrd modMainMaster">
-      <pc:chgData name="Zhao Jin" userId="cd05a825-544c-438a-9ba1-08e63db50b47" providerId="ADAL" clId="{FAC0F13E-DA96-4EEB-B394-00851A3B387A}" dt="2024-01-30T01:22:46.691" v="3312" actId="20577"/>
+      <pc:chgData name="Zhao Jin" userId="cd05a825-544c-438a-9ba1-08e63db50b47" providerId="ADAL" clId="{FAC0F13E-DA96-4EEB-B394-00851A3B387A}" dt="2024-02-06T00:34:53.195" v="3313" actId="1076"/>
       <pc:docMkLst>
         <pc:docMk/>
       </pc:docMkLst>
@@ -2067,7 +2332,7 @@
         </pc:sldMkLst>
       </pc:sldChg>
       <pc:sldChg chg="addSp modSp add">
-        <pc:chgData name="Zhao Jin" userId="cd05a825-544c-438a-9ba1-08e63db50b47" providerId="ADAL" clId="{FAC0F13E-DA96-4EEB-B394-00851A3B387A}" dt="2024-01-30T01:08:50.150" v="3027" actId="404"/>
+        <pc:chgData name="Zhao Jin" userId="cd05a825-544c-438a-9ba1-08e63db50b47" providerId="ADAL" clId="{FAC0F13E-DA96-4EEB-B394-00851A3B387A}" dt="2024-02-06T00:34:53.195" v="3313" actId="1076"/>
         <pc:sldMkLst>
           <pc:docMk/>
           <pc:sldMk cId="2719722680" sldId="552"/>
@@ -2081,7 +2346,7 @@
           </ac:spMkLst>
         </pc:spChg>
         <pc:picChg chg="add mod">
-          <ac:chgData name="Zhao Jin" userId="cd05a825-544c-438a-9ba1-08e63db50b47" providerId="ADAL" clId="{FAC0F13E-DA96-4EEB-B394-00851A3B387A}" dt="2024-01-30T00:41:09.978" v="2289" actId="1076"/>
+          <ac:chgData name="Zhao Jin" userId="cd05a825-544c-438a-9ba1-08e63db50b47" providerId="ADAL" clId="{FAC0F13E-DA96-4EEB-B394-00851A3B387A}" dt="2024-02-06T00:34:53.195" v="3313" actId="1076"/>
           <ac:picMkLst>
             <pc:docMk/>
             <pc:sldMk cId="2719722680" sldId="552"/>
@@ -2291,273 +2556,6 @@
           </pc:spChg>
         </pc:sldLayoutChg>
       </pc:sldMasterChg>
-    </pc:docChg>
-  </pc:docChgLst>
-  <pc:docChgLst>
-    <pc:chgData name="Zhao Jin" userId="cd05a825-544c-438a-9ba1-08e63db50b47" providerId="ADAL" clId="{C7837600-31A8-421C-BE87-C44669FDAD51}"/>
-    <pc:docChg chg="modSld">
-      <pc:chgData name="Zhao Jin" userId="cd05a825-544c-438a-9ba1-08e63db50b47" providerId="ADAL" clId="{C7837600-31A8-421C-BE87-C44669FDAD51}" dt="2021-01-29T05:43:00.215" v="0"/>
-      <pc:docMkLst>
-        <pc:docMk/>
-      </pc:docMkLst>
-      <pc:sldChg chg="modSp mod">
-        <pc:chgData name="Zhao Jin" userId="cd05a825-544c-438a-9ba1-08e63db50b47" providerId="ADAL" clId="{C7837600-31A8-421C-BE87-C44669FDAD51}" dt="2021-01-29T05:43:00.215" v="0"/>
-        <pc:sldMkLst>
-          <pc:docMk/>
-          <pc:sldMk cId="3984392134" sldId="537"/>
-        </pc:sldMkLst>
-        <pc:spChg chg="mod">
-          <ac:chgData name="Zhao Jin" userId="cd05a825-544c-438a-9ba1-08e63db50b47" providerId="ADAL" clId="{C7837600-31A8-421C-BE87-C44669FDAD51}" dt="2021-01-29T05:43:00.215" v="0"/>
-          <ac:spMkLst>
-            <pc:docMk/>
-            <pc:sldMk cId="3984392134" sldId="537"/>
-            <ac:spMk id="43" creationId="{00000000-0000-0000-0000-000000000000}"/>
-          </ac:spMkLst>
-        </pc:spChg>
-      </pc:sldChg>
-    </pc:docChg>
-  </pc:docChgLst>
-  <pc:docChgLst>
-    <pc:chgData name="Zhao Jin" userId="cd05a825-544c-438a-9ba1-08e63db50b47" providerId="ADAL" clId="{40B02829-7445-394A-990C-032942059FD9}"/>
-    <pc:docChg chg="custSel modSld">
-      <pc:chgData name="Zhao Jin" userId="cd05a825-544c-438a-9ba1-08e63db50b47" providerId="ADAL" clId="{40B02829-7445-394A-990C-032942059FD9}" dt="2021-01-18T05:50:34.611" v="4" actId="478"/>
-      <pc:docMkLst>
-        <pc:docMk/>
-      </pc:docMkLst>
-      <pc:sldChg chg="delSp">
-        <pc:chgData name="Zhao Jin" userId="cd05a825-544c-438a-9ba1-08e63db50b47" providerId="ADAL" clId="{40B02829-7445-394A-990C-032942059FD9}" dt="2021-01-18T05:50:34.611" v="4" actId="478"/>
-        <pc:sldMkLst>
-          <pc:docMk/>
-          <pc:sldMk cId="3871162519" sldId="525"/>
-        </pc:sldMkLst>
-        <pc:spChg chg="del">
-          <ac:chgData name="Zhao Jin" userId="cd05a825-544c-438a-9ba1-08e63db50b47" providerId="ADAL" clId="{40B02829-7445-394A-990C-032942059FD9}" dt="2021-01-18T05:50:34.611" v="4" actId="478"/>
-          <ac:spMkLst>
-            <pc:docMk/>
-            <pc:sldMk cId="3871162519" sldId="525"/>
-            <ac:spMk id="24582" creationId="{00000000-0000-0000-0000-000000000000}"/>
-          </ac:spMkLst>
-        </pc:spChg>
-      </pc:sldChg>
-      <pc:sldChg chg="modSp">
-        <pc:chgData name="Zhao Jin" userId="cd05a825-544c-438a-9ba1-08e63db50b47" providerId="ADAL" clId="{40B02829-7445-394A-990C-032942059FD9}" dt="2021-01-18T05:50:03.685" v="3" actId="122"/>
-        <pc:sldMkLst>
-          <pc:docMk/>
-          <pc:sldMk cId="770306953" sldId="526"/>
-        </pc:sldMkLst>
-        <pc:graphicFrameChg chg="modGraphic">
-          <ac:chgData name="Zhao Jin" userId="cd05a825-544c-438a-9ba1-08e63db50b47" providerId="ADAL" clId="{40B02829-7445-394A-990C-032942059FD9}" dt="2021-01-18T05:50:03.685" v="3" actId="122"/>
-          <ac:graphicFrameMkLst>
-            <pc:docMk/>
-            <pc:sldMk cId="770306953" sldId="526"/>
-            <ac:graphicFrameMk id="7" creationId="{00000000-0000-0000-0000-000000000000}"/>
-          </ac:graphicFrameMkLst>
-        </pc:graphicFrameChg>
-        <pc:graphicFrameChg chg="modGraphic">
-          <ac:chgData name="Zhao Jin" userId="cd05a825-544c-438a-9ba1-08e63db50b47" providerId="ADAL" clId="{40B02829-7445-394A-990C-032942059FD9}" dt="2021-01-18T05:49:57.612" v="2" actId="122"/>
-          <ac:graphicFrameMkLst>
-            <pc:docMk/>
-            <pc:sldMk cId="770306953" sldId="526"/>
-            <ac:graphicFrameMk id="16" creationId="{00000000-0000-0000-0000-000000000000}"/>
-          </ac:graphicFrameMkLst>
-        </pc:graphicFrameChg>
-      </pc:sldChg>
-      <pc:sldChg chg="modAnim">
-        <pc:chgData name="Zhao Jin" userId="cd05a825-544c-438a-9ba1-08e63db50b47" providerId="ADAL" clId="{40B02829-7445-394A-990C-032942059FD9}" dt="2021-01-18T05:49:08.491" v="0"/>
-        <pc:sldMkLst>
-          <pc:docMk/>
-          <pc:sldMk cId="4288789163" sldId="527"/>
-        </pc:sldMkLst>
-      </pc:sldChg>
-    </pc:docChg>
-  </pc:docChgLst>
-  <pc:docChgLst>
-    <pc:chgData name="Zhao Jin" userId="cd05a825-544c-438a-9ba1-08e63db50b47" providerId="ADAL" clId="{A4A0FEF4-5388-4642-A424-D6144C2A9D07}"/>
-    <pc:docChg chg="undo custSel modSld">
-      <pc:chgData name="Zhao Jin" userId="cd05a825-544c-438a-9ba1-08e63db50b47" providerId="ADAL" clId="{A4A0FEF4-5388-4642-A424-D6144C2A9D07}" dt="2021-01-25T03:36:28.487" v="214" actId="20577"/>
-      <pc:docMkLst>
-        <pc:docMk/>
-      </pc:docMkLst>
-      <pc:sldChg chg="delSp modSp">
-        <pc:chgData name="Zhao Jin" userId="cd05a825-544c-438a-9ba1-08e63db50b47" providerId="ADAL" clId="{A4A0FEF4-5388-4642-A424-D6144C2A9D07}" dt="2021-01-25T03:33:46.226" v="179"/>
-        <pc:sldMkLst>
-          <pc:docMk/>
-          <pc:sldMk cId="2543678377" sldId="531"/>
-        </pc:sldMkLst>
-        <pc:spChg chg="mod">
-          <ac:chgData name="Zhao Jin" userId="cd05a825-544c-438a-9ba1-08e63db50b47" providerId="ADAL" clId="{A4A0FEF4-5388-4642-A424-D6144C2A9D07}" dt="2021-01-25T03:30:31.833" v="157" actId="20577"/>
-          <ac:spMkLst>
-            <pc:docMk/>
-            <pc:sldMk cId="2543678377" sldId="531"/>
-            <ac:spMk id="10" creationId="{00000000-0000-0000-0000-000000000000}"/>
-          </ac:spMkLst>
-        </pc:spChg>
-        <pc:spChg chg="mod">
-          <ac:chgData name="Zhao Jin" userId="cd05a825-544c-438a-9ba1-08e63db50b47" providerId="ADAL" clId="{A4A0FEF4-5388-4642-A424-D6144C2A9D07}" dt="2021-01-25T03:33:46.226" v="179"/>
-          <ac:spMkLst>
-            <pc:docMk/>
-            <pc:sldMk cId="2543678377" sldId="531"/>
-            <ac:spMk id="43" creationId="{00000000-0000-0000-0000-000000000000}"/>
-          </ac:spMkLst>
-        </pc:spChg>
-        <pc:spChg chg="del">
-          <ac:chgData name="Zhao Jin" userId="cd05a825-544c-438a-9ba1-08e63db50b47" providerId="ADAL" clId="{A4A0FEF4-5388-4642-A424-D6144C2A9D07}" dt="2021-01-25T03:33:24.782" v="178" actId="478"/>
-          <ac:spMkLst>
-            <pc:docMk/>
-            <pc:sldMk cId="2543678377" sldId="531"/>
-            <ac:spMk id="24582" creationId="{00000000-0000-0000-0000-000000000000}"/>
-          </ac:spMkLst>
-        </pc:spChg>
-      </pc:sldChg>
-      <pc:sldChg chg="delSp modSp">
-        <pc:chgData name="Zhao Jin" userId="cd05a825-544c-438a-9ba1-08e63db50b47" providerId="ADAL" clId="{A4A0FEF4-5388-4642-A424-D6144C2A9D07}" dt="2021-01-25T03:33:46.226" v="179"/>
-        <pc:sldMkLst>
-          <pc:docMk/>
-          <pc:sldMk cId="2025693378" sldId="532"/>
-        </pc:sldMkLst>
-        <pc:spChg chg="mod">
-          <ac:chgData name="Zhao Jin" userId="cd05a825-544c-438a-9ba1-08e63db50b47" providerId="ADAL" clId="{A4A0FEF4-5388-4642-A424-D6144C2A9D07}" dt="2021-01-25T03:33:46.226" v="179"/>
-          <ac:spMkLst>
-            <pc:docMk/>
-            <pc:sldMk cId="2025693378" sldId="532"/>
-            <ac:spMk id="43" creationId="{00000000-0000-0000-0000-000000000000}"/>
-          </ac:spMkLst>
-        </pc:spChg>
-        <pc:spChg chg="del">
-          <ac:chgData name="Zhao Jin" userId="cd05a825-544c-438a-9ba1-08e63db50b47" providerId="ADAL" clId="{A4A0FEF4-5388-4642-A424-D6144C2A9D07}" dt="2021-01-25T03:33:20.558" v="177" actId="478"/>
-          <ac:spMkLst>
-            <pc:docMk/>
-            <pc:sldMk cId="2025693378" sldId="532"/>
-            <ac:spMk id="24582" creationId="{00000000-0000-0000-0000-000000000000}"/>
-          </ac:spMkLst>
-        </pc:spChg>
-      </pc:sldChg>
-      <pc:sldChg chg="delSp modSp">
-        <pc:chgData name="Zhao Jin" userId="cd05a825-544c-438a-9ba1-08e63db50b47" providerId="ADAL" clId="{A4A0FEF4-5388-4642-A424-D6144C2A9D07}" dt="2021-01-25T03:36:13.902" v="213" actId="403"/>
-        <pc:sldMkLst>
-          <pc:docMk/>
-          <pc:sldMk cId="266706937" sldId="533"/>
-        </pc:sldMkLst>
-        <pc:spChg chg="mod">
-          <ac:chgData name="Zhao Jin" userId="cd05a825-544c-438a-9ba1-08e63db50b47" providerId="ADAL" clId="{A4A0FEF4-5388-4642-A424-D6144C2A9D07}" dt="2021-01-25T03:36:09.661" v="211" actId="1036"/>
-          <ac:spMkLst>
-            <pc:docMk/>
-            <pc:sldMk cId="266706937" sldId="533"/>
-            <ac:spMk id="2" creationId="{00000000-0000-0000-0000-000000000000}"/>
-          </ac:spMkLst>
-        </pc:spChg>
-        <pc:spChg chg="mod">
-          <ac:chgData name="Zhao Jin" userId="cd05a825-544c-438a-9ba1-08e63db50b47" providerId="ADAL" clId="{A4A0FEF4-5388-4642-A424-D6144C2A9D07}" dt="2021-01-25T03:36:09.661" v="211" actId="1036"/>
-          <ac:spMkLst>
-            <pc:docMk/>
-            <pc:sldMk cId="266706937" sldId="533"/>
-            <ac:spMk id="9" creationId="{00000000-0000-0000-0000-000000000000}"/>
-          </ac:spMkLst>
-        </pc:spChg>
-        <pc:spChg chg="mod">
-          <ac:chgData name="Zhao Jin" userId="cd05a825-544c-438a-9ba1-08e63db50b47" providerId="ADAL" clId="{A4A0FEF4-5388-4642-A424-D6144C2A9D07}" dt="2021-01-25T03:36:09.661" v="211" actId="1036"/>
-          <ac:spMkLst>
-            <pc:docMk/>
-            <pc:sldMk cId="266706937" sldId="533"/>
-            <ac:spMk id="10" creationId="{00000000-0000-0000-0000-000000000000}"/>
-          </ac:spMkLst>
-        </pc:spChg>
-        <pc:spChg chg="mod">
-          <ac:chgData name="Zhao Jin" userId="cd05a825-544c-438a-9ba1-08e63db50b47" providerId="ADAL" clId="{A4A0FEF4-5388-4642-A424-D6144C2A9D07}" dt="2021-01-25T03:36:09.661" v="211" actId="1036"/>
-          <ac:spMkLst>
-            <pc:docMk/>
-            <pc:sldMk cId="266706937" sldId="533"/>
-            <ac:spMk id="13" creationId="{00000000-0000-0000-0000-000000000000}"/>
-          </ac:spMkLst>
-        </pc:spChg>
-        <pc:spChg chg="mod">
-          <ac:chgData name="Zhao Jin" userId="cd05a825-544c-438a-9ba1-08e63db50b47" providerId="ADAL" clId="{A4A0FEF4-5388-4642-A424-D6144C2A9D07}" dt="2021-01-25T03:36:09.661" v="211" actId="1036"/>
-          <ac:spMkLst>
-            <pc:docMk/>
-            <pc:sldMk cId="266706937" sldId="533"/>
-            <ac:spMk id="14" creationId="{00000000-0000-0000-0000-000000000000}"/>
-          </ac:spMkLst>
-        </pc:spChg>
-        <pc:spChg chg="mod">
-          <ac:chgData name="Zhao Jin" userId="cd05a825-544c-438a-9ba1-08e63db50b47" providerId="ADAL" clId="{A4A0FEF4-5388-4642-A424-D6144C2A9D07}" dt="2021-01-25T03:36:13.902" v="213" actId="403"/>
-          <ac:spMkLst>
-            <pc:docMk/>
-            <pc:sldMk cId="266706937" sldId="533"/>
-            <ac:spMk id="15" creationId="{00000000-0000-0000-0000-000000000000}"/>
-          </ac:spMkLst>
-        </pc:spChg>
-        <pc:spChg chg="mod">
-          <ac:chgData name="Zhao Jin" userId="cd05a825-544c-438a-9ba1-08e63db50b47" providerId="ADAL" clId="{A4A0FEF4-5388-4642-A424-D6144C2A9D07}" dt="2021-01-25T03:36:09.661" v="211" actId="1036"/>
-          <ac:spMkLst>
-            <pc:docMk/>
-            <pc:sldMk cId="266706937" sldId="533"/>
-            <ac:spMk id="16" creationId="{00000000-0000-0000-0000-000000000000}"/>
-          </ac:spMkLst>
-        </pc:spChg>
-        <pc:spChg chg="mod">
-          <ac:chgData name="Zhao Jin" userId="cd05a825-544c-438a-9ba1-08e63db50b47" providerId="ADAL" clId="{A4A0FEF4-5388-4642-A424-D6144C2A9D07}" dt="2021-01-25T03:33:46.226" v="179"/>
-          <ac:spMkLst>
-            <pc:docMk/>
-            <pc:sldMk cId="266706937" sldId="533"/>
-            <ac:spMk id="43" creationId="{00000000-0000-0000-0000-000000000000}"/>
-          </ac:spMkLst>
-        </pc:spChg>
-        <pc:spChg chg="del">
-          <ac:chgData name="Zhao Jin" userId="cd05a825-544c-438a-9ba1-08e63db50b47" providerId="ADAL" clId="{A4A0FEF4-5388-4642-A424-D6144C2A9D07}" dt="2021-01-25T03:33:11.850" v="174" actId="478"/>
-          <ac:spMkLst>
-            <pc:docMk/>
-            <pc:sldMk cId="266706937" sldId="533"/>
-            <ac:spMk id="24582" creationId="{00000000-0000-0000-0000-000000000000}"/>
-          </ac:spMkLst>
-        </pc:spChg>
-        <pc:picChg chg="mod">
-          <ac:chgData name="Zhao Jin" userId="cd05a825-544c-438a-9ba1-08e63db50b47" providerId="ADAL" clId="{A4A0FEF4-5388-4642-A424-D6144C2A9D07}" dt="2021-01-25T03:36:09.661" v="211" actId="1036"/>
-          <ac:picMkLst>
-            <pc:docMk/>
-            <pc:sldMk cId="266706937" sldId="533"/>
-            <ac:picMk id="7" creationId="{00000000-0000-0000-0000-000000000000}"/>
-          </ac:picMkLst>
-        </pc:picChg>
-      </pc:sldChg>
-      <pc:sldChg chg="addSp delSp modSp">
-        <pc:chgData name="Zhao Jin" userId="cd05a825-544c-438a-9ba1-08e63db50b47" providerId="ADAL" clId="{A4A0FEF4-5388-4642-A424-D6144C2A9D07}" dt="2021-01-25T03:36:28.487" v="214" actId="20577"/>
-        <pc:sldMkLst>
-          <pc:docMk/>
-          <pc:sldMk cId="3198948174" sldId="535"/>
-        </pc:sldMkLst>
-        <pc:spChg chg="add mod">
-          <ac:chgData name="Zhao Jin" userId="cd05a825-544c-438a-9ba1-08e63db50b47" providerId="ADAL" clId="{A4A0FEF4-5388-4642-A424-D6144C2A9D07}" dt="2021-01-25T03:31:40.243" v="165" actId="207"/>
-          <ac:spMkLst>
-            <pc:docMk/>
-            <pc:sldMk cId="3198948174" sldId="535"/>
-            <ac:spMk id="2" creationId="{E3422448-94B2-0F4B-AAE6-2DF38C94C92F}"/>
-          </ac:spMkLst>
-        </pc:spChg>
-        <pc:spChg chg="mod">
-          <ac:chgData name="Zhao Jin" userId="cd05a825-544c-438a-9ba1-08e63db50b47" providerId="ADAL" clId="{A4A0FEF4-5388-4642-A424-D6144C2A9D07}" dt="2021-01-25T03:36:28.487" v="214" actId="20577"/>
-          <ac:spMkLst>
-            <pc:docMk/>
-            <pc:sldMk cId="3198948174" sldId="535"/>
-            <ac:spMk id="15" creationId="{00000000-0000-0000-0000-000000000000}"/>
-          </ac:spMkLst>
-        </pc:spChg>
-        <pc:spChg chg="mod">
-          <ac:chgData name="Zhao Jin" userId="cd05a825-544c-438a-9ba1-08e63db50b47" providerId="ADAL" clId="{A4A0FEF4-5388-4642-A424-D6144C2A9D07}" dt="2021-01-25T03:33:46.226" v="179"/>
-          <ac:spMkLst>
-            <pc:docMk/>
-            <pc:sldMk cId="3198948174" sldId="535"/>
-            <ac:spMk id="43" creationId="{00000000-0000-0000-0000-000000000000}"/>
-          </ac:spMkLst>
-        </pc:spChg>
-        <pc:spChg chg="del mod">
-          <ac:chgData name="Zhao Jin" userId="cd05a825-544c-438a-9ba1-08e63db50b47" providerId="ADAL" clId="{A4A0FEF4-5388-4642-A424-D6144C2A9D07}" dt="2021-01-25T03:33:15.399" v="176" actId="478"/>
-          <ac:spMkLst>
-            <pc:docMk/>
-            <pc:sldMk cId="3198948174" sldId="535"/>
-            <ac:spMk id="24582" creationId="{00000000-0000-0000-0000-000000000000}"/>
-          </ac:spMkLst>
-        </pc:spChg>
-      </pc:sldChg>
     </pc:docChg>
   </pc:docChgLst>
 </pc:chgInfo>
@@ -3037,7 +3035,7 @@
               <a:pPr>
                 <a:defRPr/>
               </a:pPr>
-              <a:t>1/29/2024</a:t>
+              <a:t>2/6/2024</a:t>
             </a:fld>
             <a:endParaRPr lang="en-US"/>
           </a:p>
@@ -14393,7 +14391,7 @@
               <a:buChar char="n"/>
             </a:pPr>
             <a:r>
-              <a:rPr lang="en-US" sz="2800"/>
+              <a:rPr lang="en-US" sz="2800" dirty="0"/>
               <a:t>Ex00-Q6: Find the surface area and the diagonal of a cuboid</a:t>
             </a:r>
           </a:p>
@@ -14412,7 +14410,7 @@
               <a:buFont typeface="Wingdings" pitchFamily="2" charset="2"/>
               <a:buChar char="n"/>
             </a:pPr>
-            <a:endParaRPr lang="en-US" sz="1200"/>
+            <a:endParaRPr lang="en-US" sz="1200" dirty="0"/>
           </a:p>
           <a:p>
             <a:pPr marL="342900" indent="-342900">
@@ -14430,7 +14428,7 @@
               <a:buChar char="n"/>
             </a:pPr>
             <a:r>
-              <a:rPr lang="en-US" sz="2800">
+              <a:rPr lang="en-US" sz="2800" dirty="0">
                 <a:solidFill>
                   <a:srgbClr val="0000FF"/>
                 </a:solidFill>
@@ -14454,7 +14452,7 @@
               <a:buChar char="n"/>
             </a:pPr>
             <a:r>
-              <a:rPr lang="en-US" sz="2400">
+              <a:rPr lang="en-US" sz="2400" dirty="0">
                 <a:solidFill>
                   <a:srgbClr val="0000FF"/>
                 </a:solidFill>
@@ -14462,7 +14460,7 @@
               <a:t>Inputs</a:t>
             </a:r>
             <a:r>
-              <a:rPr lang="en-US" sz="2400"/>
+              <a:rPr lang="en-US" sz="2400" dirty="0"/>
               <a:t>: width (integer), length (integer), height (integer) </a:t>
             </a:r>
           </a:p>
@@ -14482,7 +14480,7 @@
               <a:buChar char="n"/>
             </a:pPr>
             <a:r>
-              <a:rPr lang="en-US" sz="2400">
+              <a:rPr lang="en-US" sz="2400" dirty="0">
                 <a:solidFill>
                   <a:srgbClr val="0000FF"/>
                 </a:solidFill>
@@ -14490,11 +14488,11 @@
               <a:t>Outputs</a:t>
             </a:r>
             <a:r>
-              <a:rPr lang="en-US" sz="2400"/>
+              <a:rPr lang="en-US" sz="2400" dirty="0"/>
               <a:t>:</a:t>
             </a:r>
             <a:r>
-              <a:rPr lang="en-US" sz="2400">
+              <a:rPr lang="en-US" sz="2400" dirty="0">
                 <a:solidFill>
                   <a:srgbClr val="0000FF"/>
                 </a:solidFill>
@@ -14502,11 +14500,11 @@
               <a:t> </a:t>
             </a:r>
             <a:r>
-              <a:rPr lang="en-US" sz="2400"/>
+              <a:rPr lang="en-US" sz="2400" dirty="0"/>
               <a:t>surface</a:t>
             </a:r>
             <a:r>
-              <a:rPr lang="en-US" sz="2400">
+              <a:rPr lang="en-US" sz="2400" dirty="0">
                 <a:solidFill>
                   <a:srgbClr val="0000FF"/>
                 </a:solidFill>
@@ -14514,10 +14512,10 @@
               <a:t> </a:t>
             </a:r>
             <a:r>
-              <a:rPr lang="en-US" sz="2400"/>
+              <a:rPr lang="en-US" sz="2400" dirty="0"/>
               <a:t>area (integer), diagonal (real number)</a:t>
             </a:r>
-            <a:endParaRPr lang="en-US" sz="2400">
+            <a:endParaRPr lang="en-US" sz="2400" dirty="0">
               <a:solidFill>
                 <a:srgbClr val="0000FF"/>
               </a:solidFill>
@@ -14539,7 +14537,7 @@
               <a:buChar char="n"/>
             </a:pPr>
             <a:r>
-              <a:rPr lang="en-US" sz="2400">
+              <a:rPr lang="en-US" sz="2400" dirty="0">
                 <a:solidFill>
                   <a:srgbClr val="0000FF"/>
                 </a:solidFill>
@@ -14547,11 +14545,11 @@
               <a:t>Constraints</a:t>
             </a:r>
             <a:r>
-              <a:rPr lang="en-US" sz="2400"/>
+              <a:rPr lang="en-US" sz="2400" dirty="0"/>
               <a:t>:</a:t>
             </a:r>
             <a:r>
-              <a:rPr lang="en-US" sz="2400">
+              <a:rPr lang="en-US" sz="2400" dirty="0">
                 <a:solidFill>
                   <a:srgbClr val="0000FF"/>
                 </a:solidFill>
@@ -14559,10 +14557,10 @@
               <a:t> </a:t>
             </a:r>
             <a:r>
-              <a:rPr lang="en-US" sz="2400"/>
+              <a:rPr lang="en-US" sz="2400" dirty="0"/>
               <a:t>The outputs are the surface area and the diagonal of the cuboid represented by the inputs.</a:t>
             </a:r>
-            <a:endParaRPr lang="en-US" sz="2800"/>
+            <a:endParaRPr lang="en-US" sz="2800" dirty="0"/>
           </a:p>
         </p:txBody>
       </p:sp>
@@ -14656,7 +14654,7 @@
         </p:blipFill>
         <p:spPr bwMode="auto">
           <a:xfrm>
-            <a:off x="6506760" y="1764856"/>
+            <a:off x="6578601" y="1682560"/>
             <a:ext cx="2074080" cy="1309983"/>
           </a:xfrm>
           <a:prstGeom prst="rect">
